--- a/环境软件安装配置.pptx
+++ b/环境软件安装配置.pptx
@@ -11,11 +11,15 @@
     <p:sldId id="259" r:id="rId5"/>
     <p:sldId id="260" r:id="rId6"/>
     <p:sldId id="262" r:id="rId7"/>
-    <p:sldId id="261" r:id="rId8"/>
-    <p:sldId id="263" r:id="rId9"/>
+    <p:sldId id="264" r:id="rId8"/>
+    <p:sldId id="261" r:id="rId9"/>
+    <p:sldId id="263" r:id="rId10"/>
   </p:sldIdLst>
   <p:sldSz cx="12192000" cy="6858000"/>
   <p:notesSz cx="6858000" cy="9144000"/>
+  <p:custDataLst>
+    <p:tags r:id="rId11"/>
+  </p:custDataLst>
   <p:defaultTextStyle>
     <a:defPPr>
       <a:defRPr lang="zh-CN"/>
@@ -245,7 +249,7 @@
           <a:p>
             <a:fld id="{C073A3A9-D2A4-44DB-BEDA-2D9B228F4109}" type="datetimeFigureOut">
               <a:rPr lang="zh-CN" altLang="en-US" smtClean="0"/>
-              <a:t>2018/4/9</a:t>
+              <a:t>2018/5/26</a:t>
             </a:fld>
             <a:endParaRPr lang="zh-CN" altLang="en-US"/>
           </a:p>
@@ -415,7 +419,7 @@
           <a:p>
             <a:fld id="{C073A3A9-D2A4-44DB-BEDA-2D9B228F4109}" type="datetimeFigureOut">
               <a:rPr lang="zh-CN" altLang="en-US" smtClean="0"/>
-              <a:t>2018/4/9</a:t>
+              <a:t>2018/5/26</a:t>
             </a:fld>
             <a:endParaRPr lang="zh-CN" altLang="en-US"/>
           </a:p>
@@ -595,7 +599,7 @@
           <a:p>
             <a:fld id="{C073A3A9-D2A4-44DB-BEDA-2D9B228F4109}" type="datetimeFigureOut">
               <a:rPr lang="zh-CN" altLang="en-US" smtClean="0"/>
-              <a:t>2018/4/9</a:t>
+              <a:t>2018/5/26</a:t>
             </a:fld>
             <a:endParaRPr lang="zh-CN" altLang="en-US"/>
           </a:p>
@@ -765,7 +769,7 @@
           <a:p>
             <a:fld id="{C073A3A9-D2A4-44DB-BEDA-2D9B228F4109}" type="datetimeFigureOut">
               <a:rPr lang="zh-CN" altLang="en-US" smtClean="0"/>
-              <a:t>2018/4/9</a:t>
+              <a:t>2018/5/26</a:t>
             </a:fld>
             <a:endParaRPr lang="zh-CN" altLang="en-US"/>
           </a:p>
@@ -823,6 +827,13 @@
   <p:clrMapOvr>
     <a:masterClrMapping/>
   </p:clrMapOvr>
+  <p:timing>
+    <p:tnLst>
+      <p:par>
+        <p:cTn id="1" dur="indefinite" restart="never" nodeType="tmRoot"/>
+      </p:par>
+    </p:tnLst>
+  </p:timing>
 </p:sldLayout>
 </file>
 
@@ -1011,7 +1022,7 @@
           <a:p>
             <a:fld id="{C073A3A9-D2A4-44DB-BEDA-2D9B228F4109}" type="datetimeFigureOut">
               <a:rPr lang="zh-CN" altLang="en-US" smtClean="0"/>
-              <a:t>2018/4/9</a:t>
+              <a:t>2018/5/26</a:t>
             </a:fld>
             <a:endParaRPr lang="zh-CN" altLang="en-US"/>
           </a:p>
@@ -1243,7 +1254,7 @@
           <a:p>
             <a:fld id="{C073A3A9-D2A4-44DB-BEDA-2D9B228F4109}" type="datetimeFigureOut">
               <a:rPr lang="zh-CN" altLang="en-US" smtClean="0"/>
-              <a:t>2018/4/9</a:t>
+              <a:t>2018/5/26</a:t>
             </a:fld>
             <a:endParaRPr lang="zh-CN" altLang="en-US"/>
           </a:p>
@@ -1610,7 +1621,7 @@
           <a:p>
             <a:fld id="{C073A3A9-D2A4-44DB-BEDA-2D9B228F4109}" type="datetimeFigureOut">
               <a:rPr lang="zh-CN" altLang="en-US" smtClean="0"/>
-              <a:t>2018/4/9</a:t>
+              <a:t>2018/5/26</a:t>
             </a:fld>
             <a:endParaRPr lang="zh-CN" altLang="en-US"/>
           </a:p>
@@ -1728,7 +1739,7 @@
           <a:p>
             <a:fld id="{C073A3A9-D2A4-44DB-BEDA-2D9B228F4109}" type="datetimeFigureOut">
               <a:rPr lang="zh-CN" altLang="en-US" smtClean="0"/>
-              <a:t>2018/4/9</a:t>
+              <a:t>2018/5/26</a:t>
             </a:fld>
             <a:endParaRPr lang="zh-CN" altLang="en-US"/>
           </a:p>
@@ -1823,7 +1834,7 @@
           <a:p>
             <a:fld id="{C073A3A9-D2A4-44DB-BEDA-2D9B228F4109}" type="datetimeFigureOut">
               <a:rPr lang="zh-CN" altLang="en-US" smtClean="0"/>
-              <a:t>2018/4/9</a:t>
+              <a:t>2018/5/26</a:t>
             </a:fld>
             <a:endParaRPr lang="zh-CN" altLang="en-US"/>
           </a:p>
@@ -2100,7 +2111,7 @@
           <a:p>
             <a:fld id="{C073A3A9-D2A4-44DB-BEDA-2D9B228F4109}" type="datetimeFigureOut">
               <a:rPr lang="zh-CN" altLang="en-US" smtClean="0"/>
-              <a:t>2018/4/9</a:t>
+              <a:t>2018/5/26</a:t>
             </a:fld>
             <a:endParaRPr lang="zh-CN" altLang="en-US"/>
           </a:p>
@@ -2353,7 +2364,7 @@
           <a:p>
             <a:fld id="{C073A3A9-D2A4-44DB-BEDA-2D9B228F4109}" type="datetimeFigureOut">
               <a:rPr lang="zh-CN" altLang="en-US" smtClean="0"/>
-              <a:t>2018/4/9</a:t>
+              <a:t>2018/5/26</a:t>
             </a:fld>
             <a:endParaRPr lang="zh-CN" altLang="en-US"/>
           </a:p>
@@ -2566,7 +2577,7 @@
           <a:p>
             <a:fld id="{C073A3A9-D2A4-44DB-BEDA-2D9B228F4109}" type="datetimeFigureOut">
               <a:rPr lang="zh-CN" altLang="en-US" smtClean="0"/>
-              <a:t>2018/4/9</a:t>
+              <a:t>2018/5/26</a:t>
             </a:fld>
             <a:endParaRPr lang="zh-CN" altLang="en-US"/>
           </a:p>
@@ -2671,6 +2682,13 @@
     <p:sldLayoutId id="2147483658" r:id="rId10"/>
     <p:sldLayoutId id="2147483659" r:id="rId11"/>
   </p:sldLayoutIdLst>
+  <p:timing>
+    <p:tnLst>
+      <p:par>
+        <p:cTn id="1" dur="indefinite" restart="never" nodeType="tmRoot"/>
+      </p:par>
+    </p:tnLst>
+  </p:timing>
   <p:txStyles>
     <p:titleStyle>
       <a:lvl1pPr algn="l" defTabSz="914400" rtl="0" eaLnBrk="1" latinLnBrk="0" hangingPunct="1">
@@ -3239,8 +3257,17 @@
             </a:r>
             <a:r>
               <a:rPr lang="en-US" altLang="zh-CN" dirty="0" smtClean="0"/>
-              <a:t> python=3.6</a:t>
-            </a:r>
+              <a:t> </a:t>
+            </a:r>
+            <a:r>
+              <a:rPr lang="en-US" altLang="zh-CN" dirty="0" smtClean="0"/>
+              <a:t>python=3.6</a:t>
+            </a:r>
+            <a:r>
+              <a:rPr lang="zh-CN" altLang="en-US" dirty="0" smtClean="0"/>
+              <a:t>（输入后回车运行）</a:t>
+            </a:r>
+            <a:endParaRPr lang="en-US" altLang="zh-CN" dirty="0" smtClean="0"/>
           </a:p>
           <a:p>
             <a:r>
@@ -3288,14 +3315,55 @@
         </p:blipFill>
         <p:spPr>
           <a:xfrm>
-            <a:off x="3646344" y="2423766"/>
-            <a:ext cx="8058150" cy="4105275"/>
+            <a:off x="3542977" y="2775004"/>
+            <a:ext cx="8058150" cy="3698377"/>
           </a:xfrm>
           <a:prstGeom prst="rect">
             <a:avLst/>
           </a:prstGeom>
         </p:spPr>
       </p:pic>
+      <p:sp>
+        <p:nvSpPr>
+          <p:cNvPr id="5" name="矩形 4"/>
+          <p:cNvSpPr/>
+          <p:nvPr/>
+        </p:nvSpPr>
+        <p:spPr>
+          <a:xfrm>
+            <a:off x="368410" y="3654475"/>
+            <a:ext cx="2812112" cy="923330"/>
+          </a:xfrm>
+          <a:prstGeom prst="rect">
+            <a:avLst/>
+          </a:prstGeom>
+        </p:spPr>
+        <p:txBody>
+          <a:bodyPr wrap="square">
+            <a:spAutoFit/>
+          </a:bodyPr>
+          <a:lstStyle/>
+          <a:p>
+            <a:r>
+              <a:rPr lang="zh-CN" altLang="en-US" dirty="0"/>
+              <a:t>提示</a:t>
+            </a:r>
+            <a:r>
+              <a:rPr lang="zh-CN" altLang="en-US" dirty="0" smtClean="0"/>
+              <a:t>：</a:t>
+            </a:r>
+            <a:r>
+              <a:rPr lang="en-US" altLang="zh-CN" dirty="0" smtClean="0"/>
+              <a:t>Windows</a:t>
+            </a:r>
+            <a:r>
+              <a:rPr lang="zh-CN" altLang="en-US" dirty="0"/>
+              <a:t>系统复制粘贴不可用，可鼠标右键操作</a:t>
+            </a:r>
+            <a:endParaRPr lang="zh-CN" altLang="en-US" dirty="0"/>
+          </a:p>
+        </p:txBody>
+      </p:sp>
     </p:spTree>
     <p:extLst>
       <p:ext uri="{BB962C8B-B14F-4D97-AF65-F5344CB8AC3E}">
@@ -3735,6 +3803,377 @@
           <a:p>
             <a:r>
               <a:rPr lang="zh-CN" altLang="en-US" dirty="0" smtClean="0"/>
+              <a:t>继续</a:t>
+            </a:r>
+            <a:r>
+              <a:rPr lang="zh-CN" altLang="en-US" dirty="0" smtClean="0"/>
+              <a:t>安装程序运行所需包</a:t>
+            </a:r>
+            <a:r>
+              <a:rPr lang="en-US" altLang="zh-CN" dirty="0" smtClean="0"/>
+              <a:t>	</a:t>
+            </a:r>
+            <a:endParaRPr lang="zh-CN" altLang="en-US" dirty="0"/>
+          </a:p>
+        </p:txBody>
+      </p:sp>
+      <p:sp>
+        <p:nvSpPr>
+          <p:cNvPr id="3" name="内容占位符 2"/>
+          <p:cNvSpPr>
+            <a:spLocks noGrp="1"/>
+          </p:cNvSpPr>
+          <p:nvPr>
+            <p:ph idx="1"/>
+          </p:nvPr>
+        </p:nvSpPr>
+        <p:spPr>
+          <a:xfrm>
+            <a:off x="838200" y="1825625"/>
+            <a:ext cx="6787101" cy="4351338"/>
+          </a:xfrm>
+        </p:spPr>
+        <p:txBody>
+          <a:bodyPr/>
+          <a:lstStyle/>
+          <a:p>
+            <a:r>
+              <a:rPr lang="zh-CN" altLang="en-US" dirty="0" smtClean="0"/>
+              <a:t>输入命令：</a:t>
+            </a:r>
+            <a:endParaRPr lang="en-US" altLang="zh-CN" dirty="0" smtClean="0"/>
+          </a:p>
+          <a:p>
+            <a:r>
+              <a:rPr lang="en-US" altLang="zh-CN" dirty="0" err="1" smtClean="0"/>
+              <a:t>conda</a:t>
+            </a:r>
+            <a:r>
+              <a:rPr lang="en-US" altLang="zh-CN" dirty="0" smtClean="0"/>
+              <a:t> install </a:t>
+            </a:r>
+            <a:r>
+              <a:rPr lang="zh-CN" altLang="en-US" dirty="0" smtClean="0">
+                <a:solidFill>
+                  <a:schemeClr val="accent1"/>
+                </a:solidFill>
+              </a:rPr>
+              <a:t>包名称</a:t>
+            </a:r>
+            <a:endParaRPr lang="en-US" altLang="zh-CN" dirty="0" smtClean="0">
+              <a:solidFill>
+                <a:schemeClr val="accent1"/>
+              </a:solidFill>
+            </a:endParaRPr>
+          </a:p>
+          <a:p>
+            <a:r>
+              <a:rPr lang="zh-CN" altLang="en-US" dirty="0" smtClean="0"/>
+              <a:t>然后继续</a:t>
+            </a:r>
+            <a:endParaRPr lang="en-US" altLang="zh-CN" dirty="0" smtClean="0"/>
+          </a:p>
+          <a:p>
+            <a:r>
+              <a:rPr lang="en-US" altLang="zh-CN" dirty="0" err="1" smtClean="0"/>
+              <a:t>Conda</a:t>
+            </a:r>
+            <a:r>
+              <a:rPr lang="en-US" altLang="zh-CN" dirty="0" smtClean="0"/>
+              <a:t> install </a:t>
+            </a:r>
+            <a:r>
+              <a:rPr lang="en-US" altLang="zh-CN" dirty="0" smtClean="0"/>
+              <a:t>…</a:t>
+            </a:r>
+          </a:p>
+          <a:p>
+            <a:pPr marL="0" indent="0">
+              <a:buNone/>
+            </a:pPr>
+            <a:r>
+              <a:rPr lang="zh-CN" altLang="en-US" sz="2000" dirty="0" smtClean="0"/>
+              <a:t>提示：该界面下可用键盘方向上键快速复制已输入命令；</a:t>
+            </a:r>
+          </a:p>
+          <a:p>
+            <a:pPr marL="0" indent="0">
+              <a:buNone/>
+            </a:pPr>
+            <a:r>
+              <a:rPr lang="en-US" altLang="zh-CN" sz="2000" dirty="0" smtClean="0"/>
+              <a:t>Windows</a:t>
+            </a:r>
+            <a:r>
+              <a:rPr lang="zh-CN" altLang="en-US" sz="2000" dirty="0" smtClean="0"/>
+              <a:t>系统复制粘贴不可用，可鼠标右键操作</a:t>
+            </a:r>
+            <a:endParaRPr lang="zh-CN" altLang="en-US" sz="2000" dirty="0"/>
+          </a:p>
+        </p:txBody>
+      </p:sp>
+      <p:sp>
+        <p:nvSpPr>
+          <p:cNvPr id="4" name="TextBox 3"/>
+          <p:cNvSpPr txBox="1"/>
+          <p:nvPr/>
+        </p:nvSpPr>
+        <p:spPr>
+          <a:xfrm>
+            <a:off x="7537837" y="1820849"/>
+            <a:ext cx="2178802" cy="3970318"/>
+          </a:xfrm>
+          <a:prstGeom prst="rect">
+            <a:avLst/>
+          </a:prstGeom>
+          <a:noFill/>
+          <a:ln>
+            <a:solidFill>
+              <a:schemeClr val="accent1"/>
+            </a:solidFill>
+          </a:ln>
+        </p:spPr>
+        <p:txBody>
+          <a:bodyPr wrap="none" rtlCol="0">
+            <a:spAutoFit/>
+          </a:bodyPr>
+          <a:lstStyle/>
+          <a:p>
+            <a:r>
+              <a:rPr lang="en-US" altLang="zh-CN" dirty="0" err="1"/>
+              <a:t>jieba</a:t>
+            </a:r>
+            <a:r>
+              <a:rPr lang="en-US" altLang="zh-CN" dirty="0"/>
+              <a:t>==0.39</a:t>
+            </a:r>
+          </a:p>
+          <a:p>
+            <a:r>
+              <a:rPr lang="en-US" altLang="zh-CN" dirty="0"/>
+              <a:t>Markdown==2.6.11</a:t>
+            </a:r>
+          </a:p>
+          <a:p>
+            <a:r>
+              <a:rPr lang="en-US" altLang="zh-CN" dirty="0" err="1"/>
+              <a:t>matplotlib</a:t>
+            </a:r>
+            <a:r>
+              <a:rPr lang="en-US" altLang="zh-CN" dirty="0"/>
+              <a:t>==2.0.2</a:t>
+            </a:r>
+          </a:p>
+          <a:p>
+            <a:r>
+              <a:rPr lang="en-US" altLang="zh-CN" dirty="0"/>
+              <a:t>notebook==5.5.0</a:t>
+            </a:r>
+          </a:p>
+          <a:p>
+            <a:r>
+              <a:rPr lang="en-US" altLang="zh-CN" dirty="0" err="1"/>
+              <a:t>numpy</a:t>
+            </a:r>
+            <a:r>
+              <a:rPr lang="en-US" altLang="zh-CN" dirty="0"/>
+              <a:t>==1.14.2</a:t>
+            </a:r>
+          </a:p>
+          <a:p>
+            <a:r>
+              <a:rPr lang="en-US" altLang="zh-CN" dirty="0" err="1"/>
+              <a:t>openpyxl</a:t>
+            </a:r>
+            <a:r>
+              <a:rPr lang="en-US" altLang="zh-CN" dirty="0"/>
+              <a:t>==2.5.0</a:t>
+            </a:r>
+          </a:p>
+          <a:p>
+            <a:r>
+              <a:rPr lang="en-US" altLang="zh-CN" dirty="0"/>
+              <a:t>pandas==0.20.3</a:t>
+            </a:r>
+          </a:p>
+          <a:p>
+            <a:r>
+              <a:rPr lang="en-US" altLang="zh-CN" dirty="0"/>
+              <a:t>requests==2.18.4</a:t>
+            </a:r>
+          </a:p>
+          <a:p>
+            <a:r>
+              <a:rPr lang="en-US" altLang="zh-CN" dirty="0" err="1"/>
+              <a:t>scikit</a:t>
+            </a:r>
+            <a:r>
+              <a:rPr lang="en-US" altLang="zh-CN" dirty="0"/>
+              <a:t>-learn==0.19.1</a:t>
+            </a:r>
+          </a:p>
+          <a:p>
+            <a:r>
+              <a:rPr lang="en-US" altLang="zh-CN" dirty="0" err="1"/>
+              <a:t>scipy</a:t>
+            </a:r>
+            <a:r>
+              <a:rPr lang="en-US" altLang="zh-CN" dirty="0"/>
+              <a:t>==1.0.1</a:t>
+            </a:r>
+          </a:p>
+          <a:p>
+            <a:r>
+              <a:rPr lang="en-US" altLang="zh-CN" dirty="0" err="1"/>
+              <a:t>tensorboard</a:t>
+            </a:r>
+            <a:r>
+              <a:rPr lang="en-US" altLang="zh-CN" dirty="0"/>
+              <a:t>==1.7.0</a:t>
+            </a:r>
+          </a:p>
+          <a:p>
+            <a:r>
+              <a:rPr lang="en-US" altLang="zh-CN" dirty="0" err="1"/>
+              <a:t>tensorflow</a:t>
+            </a:r>
+            <a:r>
+              <a:rPr lang="en-US" altLang="zh-CN" dirty="0"/>
+              <a:t>==1.7.0</a:t>
+            </a:r>
+          </a:p>
+          <a:p>
+            <a:r>
+              <a:rPr lang="en-US" altLang="zh-CN" dirty="0"/>
+              <a:t>pickle</a:t>
+            </a:r>
+          </a:p>
+          <a:p>
+            <a:r>
+              <a:rPr lang="en-US" altLang="zh-CN" dirty="0"/>
+              <a:t>six</a:t>
+            </a:r>
+            <a:endParaRPr lang="zh-CN" altLang="en-US" dirty="0"/>
+          </a:p>
+        </p:txBody>
+      </p:sp>
+      <p:sp>
+        <p:nvSpPr>
+          <p:cNvPr id="5" name="TextBox 4"/>
+          <p:cNvSpPr txBox="1"/>
+          <p:nvPr/>
+        </p:nvSpPr>
+        <p:spPr>
+          <a:xfrm>
+            <a:off x="8627238" y="6011186"/>
+            <a:ext cx="415498" cy="369332"/>
+          </a:xfrm>
+          <a:prstGeom prst="rect">
+            <a:avLst/>
+          </a:prstGeom>
+          <a:noFill/>
+        </p:spPr>
+        <p:txBody>
+          <a:bodyPr wrap="none" rtlCol="0">
+            <a:spAutoFit/>
+          </a:bodyPr>
+          <a:lstStyle/>
+          <a:p>
+            <a:r>
+              <a:rPr lang="zh-CN" altLang="en-US" dirty="0" smtClean="0"/>
+              <a:t>包</a:t>
+            </a:r>
+            <a:endParaRPr lang="zh-CN" altLang="en-US" dirty="0"/>
+          </a:p>
+        </p:txBody>
+      </p:sp>
+      <p:cxnSp>
+        <p:nvCxnSpPr>
+          <p:cNvPr id="7" name="直接箭头连接符 6"/>
+          <p:cNvCxnSpPr/>
+          <p:nvPr/>
+        </p:nvCxnSpPr>
+        <p:spPr>
+          <a:xfrm flipV="1">
+            <a:off x="4452730" y="2512612"/>
+            <a:ext cx="2449002" cy="7951"/>
+          </a:xfrm>
+          <a:prstGeom prst="straightConnector1">
+            <a:avLst/>
+          </a:prstGeom>
+          <a:ln>
+            <a:tailEnd type="arrow"/>
+          </a:ln>
+        </p:spPr>
+        <p:style>
+          <a:lnRef idx="1">
+            <a:schemeClr val="accent1"/>
+          </a:lnRef>
+          <a:fillRef idx="0">
+            <a:schemeClr val="accent1"/>
+          </a:fillRef>
+          <a:effectRef idx="0">
+            <a:schemeClr val="accent1"/>
+          </a:effectRef>
+          <a:fontRef idx="minor">
+            <a:schemeClr val="tx1"/>
+          </a:fontRef>
+        </p:style>
+      </p:cxnSp>
+    </p:spTree>
+    <p:extLst>
+      <p:ext uri="{BB962C8B-B14F-4D97-AF65-F5344CB8AC3E}">
+        <p14:creationId xmlns:p14="http://schemas.microsoft.com/office/powerpoint/2010/main" val="2219273252"/>
+      </p:ext>
+    </p:extLst>
+  </p:cSld>
+  <p:clrMapOvr>
+    <a:masterClrMapping/>
+  </p:clrMapOvr>
+  <p:timing>
+    <p:tnLst>
+      <p:par>
+        <p:cTn id="1" dur="indefinite" restart="never" nodeType="tmRoot"/>
+      </p:par>
+    </p:tnLst>
+  </p:timing>
+</p:sld>
+</file>
+
+<file path=ppt/slides/slide8.xml><?xml version="1.0" encoding="utf-8"?>
+<p:sld xmlns:a="http://schemas.openxmlformats.org/drawingml/2006/main" xmlns:r="http://schemas.openxmlformats.org/officeDocument/2006/relationships" xmlns:p="http://schemas.openxmlformats.org/presentationml/2006/main">
+  <p:cSld>
+    <p:spTree>
+      <p:nvGrpSpPr>
+        <p:cNvPr id="1" name=""/>
+        <p:cNvGrpSpPr/>
+        <p:nvPr/>
+      </p:nvGrpSpPr>
+      <p:grpSpPr>
+        <a:xfrm>
+          <a:off x="0" y="0"/>
+          <a:ext cx="0" cy="0"/>
+          <a:chOff x="0" y="0"/>
+          <a:chExt cx="0" cy="0"/>
+        </a:xfrm>
+      </p:grpSpPr>
+      <p:sp>
+        <p:nvSpPr>
+          <p:cNvPr id="2" name="标题 1"/>
+          <p:cNvSpPr>
+            <a:spLocks noGrp="1"/>
+          </p:cNvSpPr>
+          <p:nvPr>
+            <p:ph type="title"/>
+          </p:nvPr>
+        </p:nvSpPr>
+        <p:spPr/>
+        <p:txBody>
+          <a:bodyPr/>
+          <a:lstStyle/>
+          <a:p>
+            <a:r>
+              <a:rPr lang="zh-CN" altLang="en-US" dirty="0" smtClean="0"/>
               <a:t>验证</a:t>
             </a:r>
             <a:r>
@@ -3907,7 +4346,7 @@
 </p:sld>
 </file>
 
-<file path=ppt/slides/slide8.xml><?xml version="1.0" encoding="utf-8"?>
+<file path=ppt/slides/slide9.xml><?xml version="1.0" encoding="utf-8"?>
 <p:sld xmlns:a="http://schemas.openxmlformats.org/drawingml/2006/main" xmlns:r="http://schemas.openxmlformats.org/officeDocument/2006/relationships" xmlns:p="http://schemas.openxmlformats.org/presentationml/2006/main">
   <p:cSld>
     <p:spTree>
@@ -4089,6 +4528,12 @@
     </p:tnLst>
   </p:timing>
 </p:sld>
+</file>
+
+<file path=ppt/tags/tag1.xml><?xml version="1.0" encoding="utf-8"?>
+<p:tagLst xmlns:a="http://schemas.openxmlformats.org/drawingml/2006/main" xmlns:r="http://schemas.openxmlformats.org/officeDocument/2006/relationships" xmlns:p="http://schemas.openxmlformats.org/presentationml/2006/main">
+  <p:tag name="ISPRING_RESOURCE_PATHS_HASH_2" val="ec512914198177f6384f24b9e0d3bcb7689f13"/>
+</p:tagLst>
 </file>
 
 <file path=ppt/theme/theme1.xml><?xml version="1.0" encoding="utf-8"?>
@@ -4134,7 +4579,7 @@
     </a:clrScheme>
     <a:fontScheme name="Office">
       <a:majorFont>
-        <a:latin typeface="等线 Light" panose="020F0302020204030204"/>
+        <a:latin typeface="等线 Light"/>
         <a:ea typeface=""/>
         <a:cs typeface=""/>
         <a:font script="Jpan" typeface="游ゴシック Light"/>
@@ -4169,7 +4614,7 @@
         <a:font script="Geor" typeface="Sylfaen"/>
       </a:majorFont>
       <a:minorFont>
-        <a:latin typeface="等线" panose="020F0502020204030204"/>
+        <a:latin typeface="等线"/>
         <a:ea typeface=""/>
         <a:cs typeface=""/>
         <a:font script="Jpan" typeface="游ゴシック"/>
@@ -4346,7 +4791,7 @@
   <a:extraClrSchemeLst/>
   <a:extLst>
     <a:ext uri="{05A4C25C-085E-4340-85A3-A5531E510DB2}">
-      <thm15:themeFamily xmlns:thm15="http://schemas.microsoft.com/office/thememl/2012/main" name="Office Theme" id="{62F939B6-93AF-4DB8-9C6B-D6C7DFDC589F}" vid="{4A3C46E8-61CC-4603-A589-7422A47A8E4A}"/>
+      <thm15:themeFamily xmlns:thm15="http://schemas.microsoft.com/office/thememl/2012/main" xmlns="" name="Office Theme" id="{62F939B6-93AF-4DB8-9C6B-D6C7DFDC589F}" vid="{4A3C46E8-61CC-4603-A589-7422A47A8E4A}"/>
     </a:ext>
   </a:extLst>
 </a:theme>
